--- a/toybox/src/main/resources/doc/04. UI 설계서 v1.0.pptx
+++ b/toybox/src/main/resources/doc/04. UI 설계서 v1.0.pptx
@@ -207,7 +207,7 @@
           <a:p>
             <a:fld id="{82246EF8-7985-4315-83C9-5198112F1A5A}" type="datetimeFigureOut">
               <a:rPr lang="ko-KR" altLang="en-US" smtClean="0"/>
-              <a:t>2018-09-15</a:t>
+              <a:t>2018-09-26</a:t>
             </a:fld>
             <a:endParaRPr lang="ko-KR" altLang="en-US"/>
           </a:p>
@@ -1530,7 +1530,7 @@
           <a:p>
             <a:fld id="{9AEDE37C-41E0-42C1-9C51-0C2DE2412DA8}" type="datetime1">
               <a:rPr lang="ko-KR" altLang="en-US" smtClean="0"/>
-              <a:t>2018-09-15</a:t>
+              <a:t>2018-09-26</a:t>
             </a:fld>
             <a:endParaRPr lang="ko-KR" altLang="en-US"/>
           </a:p>
@@ -1700,7 +1700,7 @@
           <a:p>
             <a:fld id="{8716AA05-8E62-43CC-B92C-2B501095FF12}" type="datetime1">
               <a:rPr lang="ko-KR" altLang="en-US" smtClean="0"/>
-              <a:t>2018-09-15</a:t>
+              <a:t>2018-09-26</a:t>
             </a:fld>
             <a:endParaRPr lang="ko-KR" altLang="en-US"/>
           </a:p>
@@ -1880,7 +1880,7 @@
           <a:p>
             <a:fld id="{56118945-C497-412E-9F41-E1DE79E3394A}" type="datetime1">
               <a:rPr lang="ko-KR" altLang="en-US" smtClean="0"/>
-              <a:t>2018-09-15</a:t>
+              <a:t>2018-09-26</a:t>
             </a:fld>
             <a:endParaRPr lang="ko-KR" altLang="en-US"/>
           </a:p>
@@ -2050,7 +2050,7 @@
           <a:p>
             <a:fld id="{87061D47-739A-485E-B97D-AF10F74B7D28}" type="datetime1">
               <a:rPr lang="ko-KR" altLang="en-US" smtClean="0"/>
-              <a:t>2018-09-15</a:t>
+              <a:t>2018-09-26</a:t>
             </a:fld>
             <a:endParaRPr lang="ko-KR" altLang="en-US"/>
           </a:p>
@@ -2296,7 +2296,7 @@
           <a:p>
             <a:fld id="{A2FF2C4B-09FB-4F4B-AE11-D243FD5B543A}" type="datetime1">
               <a:rPr lang="ko-KR" altLang="en-US" smtClean="0"/>
-              <a:t>2018-09-15</a:t>
+              <a:t>2018-09-26</a:t>
             </a:fld>
             <a:endParaRPr lang="ko-KR" altLang="en-US"/>
           </a:p>
@@ -2528,7 +2528,7 @@
           <a:p>
             <a:fld id="{0D0D40BF-B4C7-48C7-AB34-EEDB208CD5AC}" type="datetime1">
               <a:rPr lang="ko-KR" altLang="en-US" smtClean="0"/>
-              <a:t>2018-09-15</a:t>
+              <a:t>2018-09-26</a:t>
             </a:fld>
             <a:endParaRPr lang="ko-KR" altLang="en-US"/>
           </a:p>
@@ -2895,7 +2895,7 @@
           <a:p>
             <a:fld id="{921AA499-B3A9-42CF-817E-9E2AD6C31FA3}" type="datetime1">
               <a:rPr lang="ko-KR" altLang="en-US" smtClean="0"/>
-              <a:t>2018-09-15</a:t>
+              <a:t>2018-09-26</a:t>
             </a:fld>
             <a:endParaRPr lang="ko-KR" altLang="en-US"/>
           </a:p>
@@ -3013,7 +3013,7 @@
           <a:p>
             <a:fld id="{02FC3BCA-0162-4DBF-95F8-0CE7993B3847}" type="datetime1">
               <a:rPr lang="ko-KR" altLang="en-US" smtClean="0"/>
-              <a:t>2018-09-15</a:t>
+              <a:t>2018-09-26</a:t>
             </a:fld>
             <a:endParaRPr lang="ko-KR" altLang="en-US"/>
           </a:p>
@@ -3108,7 +3108,7 @@
           <a:p>
             <a:fld id="{47ACFE75-B1EB-4E33-9D91-B7818EB4BF50}" type="datetime1">
               <a:rPr lang="ko-KR" altLang="en-US" smtClean="0"/>
-              <a:t>2018-09-15</a:t>
+              <a:t>2018-09-26</a:t>
             </a:fld>
             <a:endParaRPr lang="ko-KR" altLang="en-US"/>
           </a:p>
@@ -3385,7 +3385,7 @@
           <a:p>
             <a:fld id="{77FC3F1E-8AB7-4665-8F28-8D4377392132}" type="datetime1">
               <a:rPr lang="ko-KR" altLang="en-US" smtClean="0"/>
-              <a:t>2018-09-15</a:t>
+              <a:t>2018-09-26</a:t>
             </a:fld>
             <a:endParaRPr lang="ko-KR" altLang="en-US"/>
           </a:p>
@@ -3638,7 +3638,7 @@
           <a:p>
             <a:fld id="{40D3DB49-BF8A-4EAF-A97C-802739C13DB8}" type="datetime1">
               <a:rPr lang="ko-KR" altLang="en-US" smtClean="0"/>
-              <a:t>2018-09-15</a:t>
+              <a:t>2018-09-26</a:t>
             </a:fld>
             <a:endParaRPr lang="ko-KR" altLang="en-US"/>
           </a:p>
@@ -3851,7 +3851,7 @@
           <a:p>
             <a:fld id="{9FD800D8-DEAC-421C-B7C0-AAE10FFA052C}" type="datetime1">
               <a:rPr lang="ko-KR" altLang="en-US" smtClean="0"/>
-              <a:t>2018-09-15</a:t>
+              <a:t>2018-09-26</a:t>
             </a:fld>
             <a:endParaRPr lang="ko-KR" altLang="en-US"/>
           </a:p>
@@ -9933,7 +9933,6 @@
                         <a:rPr lang="en-US" altLang="ko-KR" sz="900" baseline="0" dirty="0" smtClean="0"/>
                         <a:t>.</a:t>
                       </a:r>
-                      <a:endParaRPr lang="en-US" altLang="ko-KR" sz="900" baseline="0" dirty="0" smtClean="0"/>
                     </a:p>
                   </a:txBody>
                   <a:tcPr>
@@ -14321,7 +14320,7 @@
                       <a:pPr latinLnBrk="1"/>
                       <a:r>
                         <a:rPr lang="ko-KR" altLang="en-US" sz="1100" dirty="0" smtClean="0"/>
-                        <a:t>내게 온 대여요청</a:t>
+                        <a:t>아이템 상세</a:t>
                       </a:r>
                       <a:endParaRPr lang="ko-KR" altLang="en-US" sz="1100" dirty="0"/>
                     </a:p>
@@ -28058,7 +28057,7 @@
           <p:nvPr>
             <p:extLst>
               <p:ext uri="{D42A27DB-BD31-4B8C-83A1-F6EECF244321}">
-                <p14:modId xmlns:p14="http://schemas.microsoft.com/office/powerpoint/2010/main" val="3809284569"/>
+                <p14:modId xmlns:p14="http://schemas.microsoft.com/office/powerpoint/2010/main" val="3848971517"/>
               </p:ext>
             </p:extLst>
           </p:nvPr>
@@ -28256,7 +28255,11 @@
                       <a:pPr latinLnBrk="1"/>
                       <a:r>
                         <a:rPr lang="ko-KR" altLang="en-US" sz="1100" dirty="0" smtClean="0"/>
-                        <a:t>나의 대여요청</a:t>
+                        <a:t>나의 </a:t>
+                      </a:r>
+                      <a:r>
+                        <a:rPr lang="ko-KR" altLang="en-US" sz="1100" dirty="0" smtClean="0"/>
+                        <a:t>대여신청</a:t>
                       </a:r>
                       <a:endParaRPr lang="ko-KR" altLang="en-US" sz="1100" dirty="0"/>
                     </a:p>
@@ -28589,7 +28592,11 @@
                       <a:pPr latinLnBrk="1"/>
                       <a:r>
                         <a:rPr lang="ko-KR" altLang="en-US" sz="1100" dirty="0" smtClean="0"/>
-                        <a:t>나의 대여요청</a:t>
+                        <a:t>나의 </a:t>
+                      </a:r>
+                      <a:r>
+                        <a:rPr lang="ko-KR" altLang="en-US" sz="1100" dirty="0" smtClean="0"/>
+                        <a:t>대여신청</a:t>
                       </a:r>
                       <a:endParaRPr lang="ko-KR" altLang="en-US" sz="1100" dirty="0"/>
                     </a:p>
@@ -29028,14 +29035,14 @@
           <p:nvPr>
             <p:extLst>
               <p:ext uri="{D42A27DB-BD31-4B8C-83A1-F6EECF244321}">
-                <p14:modId xmlns:p14="http://schemas.microsoft.com/office/powerpoint/2010/main" val="509827829"/>
+                <p14:modId xmlns:p14="http://schemas.microsoft.com/office/powerpoint/2010/main" val="700988964"/>
               </p:ext>
             </p:extLst>
           </p:nvPr>
         </p:nvGraphicFramePr>
         <p:xfrm>
           <a:off x="388998" y="1841817"/>
-          <a:ext cx="8917376" cy="1638330"/>
+          <a:ext cx="8917378" cy="1638330"/>
         </p:xfrm>
         <a:graphic>
           <a:graphicData uri="http://schemas.openxmlformats.org/drawingml/2006/table">
@@ -29044,16 +29051,17 @@
                 <a:tableStyleId>{5C22544A-7EE6-4342-B048-85BDC9FD1C3A}</a:tableStyleId>
               </a:tblPr>
               <a:tblGrid>
-                <a:gridCol w="544923"/>
-                <a:gridCol w="544923"/>
-                <a:gridCol w="544923"/>
-                <a:gridCol w="913548"/>
-                <a:gridCol w="1409599"/>
-                <a:gridCol w="1027905"/>
-                <a:gridCol w="1147371"/>
-                <a:gridCol w="1347962"/>
-                <a:gridCol w="770263"/>
-                <a:gridCol w="665959"/>
+                <a:gridCol w="494286"/>
+                <a:gridCol w="494286"/>
+                <a:gridCol w="494286"/>
+                <a:gridCol w="828656"/>
+                <a:gridCol w="828656"/>
+                <a:gridCol w="1278611"/>
+                <a:gridCol w="932386"/>
+                <a:gridCol w="1040750"/>
+                <a:gridCol w="1222701"/>
+                <a:gridCol w="698686"/>
+                <a:gridCol w="604074"/>
               </a:tblGrid>
               <a:tr h="525810">
                 <a:tc>
@@ -29318,6 +29326,71 @@
                     <a:bodyPr/>
                     <a:lstStyle/>
                     <a:p>
+                      <a:pPr algn="ctr" latinLnBrk="1"/>
+                      <a:r>
+                        <a:rPr lang="ko-KR" altLang="en-US" sz="900" dirty="0" smtClean="0">
+                          <a:solidFill>
+                            <a:schemeClr val="tx1"/>
+                          </a:solidFill>
+                        </a:rPr>
+                        <a:t>대여자</a:t>
+                      </a:r>
+                      <a:endParaRPr lang="ko-KR" altLang="en-US" sz="900" dirty="0">
+                        <a:solidFill>
+                          <a:schemeClr val="tx1"/>
+                        </a:solidFill>
+                      </a:endParaRPr>
+                    </a:p>
+                  </a:txBody>
+                  <a:tcPr anchor="ctr">
+                    <a:lnL w="12700" cap="flat" cmpd="sng" algn="ctr">
+                      <a:solidFill>
+                        <a:schemeClr val="tx1"/>
+                      </a:solidFill>
+                      <a:prstDash val="solid"/>
+                      <a:round/>
+                      <a:headEnd type="none" w="med" len="med"/>
+                      <a:tailEnd type="none" w="med" len="med"/>
+                    </a:lnL>
+                    <a:lnR w="12700" cap="flat" cmpd="sng" algn="ctr">
+                      <a:solidFill>
+                        <a:schemeClr val="tx1"/>
+                      </a:solidFill>
+                      <a:prstDash val="solid"/>
+                      <a:round/>
+                      <a:headEnd type="none" w="med" len="med"/>
+                      <a:tailEnd type="none" w="med" len="med"/>
+                    </a:lnR>
+                    <a:lnT w="12700" cap="flat" cmpd="sng" algn="ctr">
+                      <a:solidFill>
+                        <a:schemeClr val="tx1"/>
+                      </a:solidFill>
+                      <a:prstDash val="solid"/>
+                      <a:round/>
+                      <a:headEnd type="none" w="med" len="med"/>
+                      <a:tailEnd type="none" w="med" len="med"/>
+                    </a:lnT>
+                    <a:lnB w="12700" cap="flat" cmpd="sng" algn="ctr">
+                      <a:solidFill>
+                        <a:schemeClr val="tx1"/>
+                      </a:solidFill>
+                      <a:prstDash val="solid"/>
+                      <a:round/>
+                      <a:headEnd type="none" w="med" len="med"/>
+                      <a:tailEnd type="none" w="med" len="med"/>
+                    </a:lnB>
+                    <a:solidFill>
+                      <a:schemeClr val="accent1">
+                        <a:lumMod val="75000"/>
+                      </a:schemeClr>
+                    </a:solidFill>
+                  </a:tcPr>
+                </a:tc>
+                <a:tc>
+                  <a:txBody>
+                    <a:bodyPr/>
+                    <a:lstStyle/>
+                    <a:p>
                       <a:pPr marL="0" marR="0" indent="0" algn="ctr" defTabSz="914400" rtl="0" eaLnBrk="1" fontAlgn="auto" latinLnBrk="1" hangingPunct="1">
                         <a:lnSpc>
                           <a:spcPct val="100000"/>
@@ -30097,6 +30170,55 @@
                     <a:bodyPr/>
                     <a:lstStyle/>
                     <a:p>
+                      <a:pPr latinLnBrk="1"/>
+                      <a:endParaRPr lang="ko-KR" altLang="en-US" dirty="0"/>
+                    </a:p>
+                  </a:txBody>
+                  <a:tcPr>
+                    <a:lnL w="12700" cap="flat" cmpd="sng" algn="ctr">
+                      <a:solidFill>
+                        <a:schemeClr val="tx1"/>
+                      </a:solidFill>
+                      <a:prstDash val="solid"/>
+                      <a:round/>
+                      <a:headEnd type="none" w="med" len="med"/>
+                      <a:tailEnd type="none" w="med" len="med"/>
+                    </a:lnL>
+                    <a:lnR w="12700" cap="flat" cmpd="sng" algn="ctr">
+                      <a:solidFill>
+                        <a:schemeClr val="tx1"/>
+                      </a:solidFill>
+                      <a:prstDash val="solid"/>
+                      <a:round/>
+                      <a:headEnd type="none" w="med" len="med"/>
+                      <a:tailEnd type="none" w="med" len="med"/>
+                    </a:lnR>
+                    <a:lnT w="12700" cap="flat" cmpd="sng" algn="ctr">
+                      <a:solidFill>
+                        <a:schemeClr val="tx1"/>
+                      </a:solidFill>
+                      <a:prstDash val="solid"/>
+                      <a:round/>
+                      <a:headEnd type="none" w="med" len="med"/>
+                      <a:tailEnd type="none" w="med" len="med"/>
+                    </a:lnT>
+                    <a:lnB w="12700" cap="flat" cmpd="sng" algn="ctr">
+                      <a:solidFill>
+                        <a:schemeClr val="tx1"/>
+                      </a:solidFill>
+                      <a:prstDash val="solid"/>
+                      <a:round/>
+                      <a:headEnd type="none" w="med" len="med"/>
+                      <a:tailEnd type="none" w="med" len="med"/>
+                    </a:lnB>
+                    <a:noFill/>
+                  </a:tcPr>
+                </a:tc>
+                <a:tc>
+                  <a:txBody>
+                    <a:bodyPr/>
+                    <a:lstStyle/>
+                    <a:p>
                       <a:pPr algn="ctr" latinLnBrk="1"/>
                       <a:r>
                         <a:rPr lang="ko-KR" altLang="en-US" sz="900" b="1" dirty="0" smtClean="0"/>
@@ -30612,6 +30734,55 @@
                     <a:bodyPr/>
                     <a:lstStyle/>
                     <a:p>
+                      <a:pPr latinLnBrk="1"/>
+                      <a:endParaRPr lang="ko-KR" altLang="en-US" dirty="0"/>
+                    </a:p>
+                  </a:txBody>
+                  <a:tcPr>
+                    <a:lnL w="12700" cap="flat" cmpd="sng" algn="ctr">
+                      <a:solidFill>
+                        <a:schemeClr val="tx1"/>
+                      </a:solidFill>
+                      <a:prstDash val="solid"/>
+                      <a:round/>
+                      <a:headEnd type="none" w="med" len="med"/>
+                      <a:tailEnd type="none" w="med" len="med"/>
+                    </a:lnL>
+                    <a:lnR w="12700" cap="flat" cmpd="sng" algn="ctr">
+                      <a:solidFill>
+                        <a:schemeClr val="tx1"/>
+                      </a:solidFill>
+                      <a:prstDash val="solid"/>
+                      <a:round/>
+                      <a:headEnd type="none" w="med" len="med"/>
+                      <a:tailEnd type="none" w="med" len="med"/>
+                    </a:lnR>
+                    <a:lnT w="12700" cap="flat" cmpd="sng" algn="ctr">
+                      <a:solidFill>
+                        <a:schemeClr val="tx1"/>
+                      </a:solidFill>
+                      <a:prstDash val="solid"/>
+                      <a:round/>
+                      <a:headEnd type="none" w="med" len="med"/>
+                      <a:tailEnd type="none" w="med" len="med"/>
+                    </a:lnT>
+                    <a:lnB w="12700" cap="flat" cmpd="sng" algn="ctr">
+                      <a:solidFill>
+                        <a:schemeClr val="tx1"/>
+                      </a:solidFill>
+                      <a:prstDash val="solid"/>
+                      <a:round/>
+                      <a:headEnd type="none" w="med" len="med"/>
+                      <a:tailEnd type="none" w="med" len="med"/>
+                    </a:lnB>
+                    <a:noFill/>
+                  </a:tcPr>
+                </a:tc>
+                <a:tc>
+                  <a:txBody>
+                    <a:bodyPr/>
+                    <a:lstStyle/>
+                    <a:p>
                       <a:pPr algn="ctr" latinLnBrk="1"/>
                       <a:r>
                         <a:rPr lang="ko-KR" altLang="en-US" sz="900" b="1" dirty="0" smtClean="0"/>
@@ -30777,6 +30948,55 @@
                         <a:lumOff val="40000"/>
                       </a:schemeClr>
                     </a:solidFill>
+                  </a:tcPr>
+                </a:tc>
+                <a:tc>
+                  <a:txBody>
+                    <a:bodyPr/>
+                    <a:lstStyle/>
+                    <a:p>
+                      <a:pPr latinLnBrk="1"/>
+                      <a:endParaRPr lang="ko-KR" altLang="en-US" dirty="0"/>
+                    </a:p>
+                  </a:txBody>
+                  <a:tcPr>
+                    <a:lnL w="12700" cap="flat" cmpd="sng" algn="ctr">
+                      <a:solidFill>
+                        <a:schemeClr val="tx1"/>
+                      </a:solidFill>
+                      <a:prstDash val="solid"/>
+                      <a:round/>
+                      <a:headEnd type="none" w="med" len="med"/>
+                      <a:tailEnd type="none" w="med" len="med"/>
+                    </a:lnL>
+                    <a:lnR w="12700" cap="flat" cmpd="sng" algn="ctr">
+                      <a:solidFill>
+                        <a:schemeClr val="tx1"/>
+                      </a:solidFill>
+                      <a:prstDash val="solid"/>
+                      <a:round/>
+                      <a:headEnd type="none" w="med" len="med"/>
+                      <a:tailEnd type="none" w="med" len="med"/>
+                    </a:lnR>
+                    <a:lnT w="12700" cap="flat" cmpd="sng" algn="ctr">
+                      <a:solidFill>
+                        <a:schemeClr val="tx1"/>
+                      </a:solidFill>
+                      <a:prstDash val="solid"/>
+                      <a:round/>
+                      <a:headEnd type="none" w="med" len="med"/>
+                      <a:tailEnd type="none" w="med" len="med"/>
+                    </a:lnT>
+                    <a:lnB w="12700" cap="flat" cmpd="sng" algn="ctr">
+                      <a:solidFill>
+                        <a:schemeClr val="tx1"/>
+                      </a:solidFill>
+                      <a:prstDash val="solid"/>
+                      <a:round/>
+                      <a:headEnd type="none" w="med" len="med"/>
+                      <a:tailEnd type="none" w="med" len="med"/>
+                    </a:lnB>
+                    <a:noFill/>
                   </a:tcPr>
                 </a:tc>
                 <a:tc>
@@ -32600,7 +32820,7 @@
           <p:nvPr>
             <p:extLst>
               <p:ext uri="{D42A27DB-BD31-4B8C-83A1-F6EECF244321}">
-                <p14:modId xmlns:p14="http://schemas.microsoft.com/office/powerpoint/2010/main" val="3550514292"/>
+                <p14:modId xmlns:p14="http://schemas.microsoft.com/office/powerpoint/2010/main" val="1696565784"/>
               </p:ext>
             </p:extLst>
           </p:nvPr>
@@ -32616,16 +32836,17 @@
                 <a:tableStyleId>{5C22544A-7EE6-4342-B048-85BDC9FD1C3A}</a:tableStyleId>
               </a:tblPr>
               <a:tblGrid>
-                <a:gridCol w="581718"/>
-                <a:gridCol w="581718"/>
-                <a:gridCol w="581718"/>
-                <a:gridCol w="691841"/>
-                <a:gridCol w="891338"/>
-                <a:gridCol w="959902"/>
-                <a:gridCol w="966136"/>
-                <a:gridCol w="2250402"/>
-                <a:gridCol w="726937"/>
-                <a:gridCol w="685664"/>
+                <a:gridCol w="539836"/>
+                <a:gridCol w="539836"/>
+                <a:gridCol w="539836"/>
+                <a:gridCol w="642030"/>
+                <a:gridCol w="897393"/>
+                <a:gridCol w="571801"/>
+                <a:gridCol w="890791"/>
+                <a:gridCol w="896576"/>
+                <a:gridCol w="2088378"/>
+                <a:gridCol w="674599"/>
+                <a:gridCol w="636298"/>
               </a:tblGrid>
               <a:tr h="525810">
                 <a:tc>
@@ -32885,6 +33106,71 @@
                     <a:bodyPr/>
                     <a:lstStyle/>
                     <a:p>
+                      <a:pPr algn="ctr" latinLnBrk="1"/>
+                      <a:r>
+                        <a:rPr lang="ko-KR" altLang="en-US" sz="900" dirty="0" err="1" smtClean="0">
+                          <a:solidFill>
+                            <a:schemeClr val="tx1"/>
+                          </a:solidFill>
+                        </a:rPr>
+                        <a:t>이동요청자</a:t>
+                      </a:r>
+                      <a:endParaRPr lang="ko-KR" altLang="en-US" sz="900" dirty="0" smtClean="0">
+                        <a:solidFill>
+                          <a:schemeClr val="tx1"/>
+                        </a:solidFill>
+                      </a:endParaRPr>
+                    </a:p>
+                  </a:txBody>
+                  <a:tcPr anchor="ctr">
+                    <a:lnL w="12700" cap="flat" cmpd="sng" algn="ctr">
+                      <a:solidFill>
+                        <a:schemeClr val="tx1"/>
+                      </a:solidFill>
+                      <a:prstDash val="solid"/>
+                      <a:round/>
+                      <a:headEnd type="none" w="med" len="med"/>
+                      <a:tailEnd type="none" w="med" len="med"/>
+                    </a:lnL>
+                    <a:lnR w="12700" cap="flat" cmpd="sng" algn="ctr">
+                      <a:solidFill>
+                        <a:schemeClr val="tx1"/>
+                      </a:solidFill>
+                      <a:prstDash val="solid"/>
+                      <a:round/>
+                      <a:headEnd type="none" w="med" len="med"/>
+                      <a:tailEnd type="none" w="med" len="med"/>
+                    </a:lnR>
+                    <a:lnT w="12700" cap="flat" cmpd="sng" algn="ctr">
+                      <a:solidFill>
+                        <a:schemeClr val="tx1"/>
+                      </a:solidFill>
+                      <a:prstDash val="solid"/>
+                      <a:round/>
+                      <a:headEnd type="none" w="med" len="med"/>
+                      <a:tailEnd type="none" w="med" len="med"/>
+                    </a:lnT>
+                    <a:lnB w="12700" cap="flat" cmpd="sng" algn="ctr">
+                      <a:solidFill>
+                        <a:schemeClr val="tx1"/>
+                      </a:solidFill>
+                      <a:prstDash val="solid"/>
+                      <a:round/>
+                      <a:headEnd type="none" w="med" len="med"/>
+                      <a:tailEnd type="none" w="med" len="med"/>
+                    </a:lnB>
+                    <a:solidFill>
+                      <a:schemeClr val="accent1">
+                        <a:lumMod val="75000"/>
+                      </a:schemeClr>
+                    </a:solidFill>
+                  </a:tcPr>
+                </a:tc>
+                <a:tc>
+                  <a:txBody>
+                    <a:bodyPr/>
+                    <a:lstStyle/>
+                    <a:p>
                       <a:pPr algn="ctr"/>
                       <a:r>
                         <a:rPr lang="ko-KR" altLang="en-US" sz="900" dirty="0" smtClean="0">
@@ -33615,6 +33901,55 @@
                     <a:bodyPr/>
                     <a:lstStyle/>
                     <a:p>
+                      <a:pPr latinLnBrk="1"/>
+                      <a:endParaRPr lang="ko-KR" altLang="en-US" dirty="0"/>
+                    </a:p>
+                  </a:txBody>
+                  <a:tcPr>
+                    <a:lnL w="12700" cap="flat" cmpd="sng" algn="ctr">
+                      <a:solidFill>
+                        <a:schemeClr val="tx1"/>
+                      </a:solidFill>
+                      <a:prstDash val="solid"/>
+                      <a:round/>
+                      <a:headEnd type="none" w="med" len="med"/>
+                      <a:tailEnd type="none" w="med" len="med"/>
+                    </a:lnL>
+                    <a:lnR w="12700" cap="flat" cmpd="sng" algn="ctr">
+                      <a:solidFill>
+                        <a:schemeClr val="tx1"/>
+                      </a:solidFill>
+                      <a:prstDash val="solid"/>
+                      <a:round/>
+                      <a:headEnd type="none" w="med" len="med"/>
+                      <a:tailEnd type="none" w="med" len="med"/>
+                    </a:lnR>
+                    <a:lnT w="12700" cap="flat" cmpd="sng" algn="ctr">
+                      <a:solidFill>
+                        <a:schemeClr val="tx1"/>
+                      </a:solidFill>
+                      <a:prstDash val="solid"/>
+                      <a:round/>
+                      <a:headEnd type="none" w="med" len="med"/>
+                      <a:tailEnd type="none" w="med" len="med"/>
+                    </a:lnT>
+                    <a:lnB w="12700" cap="flat" cmpd="sng" algn="ctr">
+                      <a:solidFill>
+                        <a:schemeClr val="tx1"/>
+                      </a:solidFill>
+                      <a:prstDash val="solid"/>
+                      <a:round/>
+                      <a:headEnd type="none" w="med" len="med"/>
+                      <a:tailEnd type="none" w="med" len="med"/>
+                    </a:lnB>
+                    <a:noFill/>
+                  </a:tcPr>
+                </a:tc>
+                <a:tc>
+                  <a:txBody>
+                    <a:bodyPr/>
+                    <a:lstStyle/>
+                    <a:p>
                       <a:pPr algn="ctr" latinLnBrk="1"/>
                       <a:r>
                         <a:rPr lang="ko-KR" altLang="en-US" sz="900" b="1" dirty="0" smtClean="0"/>
@@ -34130,6 +34465,55 @@
                     <a:bodyPr/>
                     <a:lstStyle/>
                     <a:p>
+                      <a:pPr latinLnBrk="1"/>
+                      <a:endParaRPr lang="ko-KR" altLang="en-US" dirty="0"/>
+                    </a:p>
+                  </a:txBody>
+                  <a:tcPr>
+                    <a:lnL w="12700" cap="flat" cmpd="sng" algn="ctr">
+                      <a:solidFill>
+                        <a:schemeClr val="tx1"/>
+                      </a:solidFill>
+                      <a:prstDash val="solid"/>
+                      <a:round/>
+                      <a:headEnd type="none" w="med" len="med"/>
+                      <a:tailEnd type="none" w="med" len="med"/>
+                    </a:lnL>
+                    <a:lnR w="12700" cap="flat" cmpd="sng" algn="ctr">
+                      <a:solidFill>
+                        <a:schemeClr val="tx1"/>
+                      </a:solidFill>
+                      <a:prstDash val="solid"/>
+                      <a:round/>
+                      <a:headEnd type="none" w="med" len="med"/>
+                      <a:tailEnd type="none" w="med" len="med"/>
+                    </a:lnR>
+                    <a:lnT w="12700" cap="flat" cmpd="sng" algn="ctr">
+                      <a:solidFill>
+                        <a:schemeClr val="tx1"/>
+                      </a:solidFill>
+                      <a:prstDash val="solid"/>
+                      <a:round/>
+                      <a:headEnd type="none" w="med" len="med"/>
+                      <a:tailEnd type="none" w="med" len="med"/>
+                    </a:lnT>
+                    <a:lnB w="12700" cap="flat" cmpd="sng" algn="ctr">
+                      <a:solidFill>
+                        <a:schemeClr val="tx1"/>
+                      </a:solidFill>
+                      <a:prstDash val="solid"/>
+                      <a:round/>
+                      <a:headEnd type="none" w="med" len="med"/>
+                      <a:tailEnd type="none" w="med" len="med"/>
+                    </a:lnB>
+                    <a:noFill/>
+                  </a:tcPr>
+                </a:tc>
+                <a:tc>
+                  <a:txBody>
+                    <a:bodyPr/>
+                    <a:lstStyle/>
+                    <a:p>
                       <a:pPr algn="ctr" latinLnBrk="1"/>
                       <a:r>
                         <a:rPr lang="ko-KR" altLang="en-US" sz="900" b="1" dirty="0" smtClean="0"/>
@@ -34295,6 +34679,55 @@
                         <a:lumOff val="40000"/>
                       </a:schemeClr>
                     </a:solidFill>
+                  </a:tcPr>
+                </a:tc>
+                <a:tc>
+                  <a:txBody>
+                    <a:bodyPr/>
+                    <a:lstStyle/>
+                    <a:p>
+                      <a:pPr latinLnBrk="1"/>
+                      <a:endParaRPr lang="ko-KR" altLang="en-US" dirty="0"/>
+                    </a:p>
+                  </a:txBody>
+                  <a:tcPr>
+                    <a:lnL w="12700" cap="flat" cmpd="sng" algn="ctr">
+                      <a:solidFill>
+                        <a:schemeClr val="tx1"/>
+                      </a:solidFill>
+                      <a:prstDash val="solid"/>
+                      <a:round/>
+                      <a:headEnd type="none" w="med" len="med"/>
+                      <a:tailEnd type="none" w="med" len="med"/>
+                    </a:lnL>
+                    <a:lnR w="12700" cap="flat" cmpd="sng" algn="ctr">
+                      <a:solidFill>
+                        <a:schemeClr val="tx1"/>
+                      </a:solidFill>
+                      <a:prstDash val="solid"/>
+                      <a:round/>
+                      <a:headEnd type="none" w="med" len="med"/>
+                      <a:tailEnd type="none" w="med" len="med"/>
+                    </a:lnR>
+                    <a:lnT w="12700" cap="flat" cmpd="sng" algn="ctr">
+                      <a:solidFill>
+                        <a:schemeClr val="tx1"/>
+                      </a:solidFill>
+                      <a:prstDash val="solid"/>
+                      <a:round/>
+                      <a:headEnd type="none" w="med" len="med"/>
+                      <a:tailEnd type="none" w="med" len="med"/>
+                    </a:lnT>
+                    <a:lnB w="12700" cap="flat" cmpd="sng" algn="ctr">
+                      <a:solidFill>
+                        <a:schemeClr val="tx1"/>
+                      </a:solidFill>
+                      <a:prstDash val="solid"/>
+                      <a:round/>
+                      <a:headEnd type="none" w="med" len="med"/>
+                      <a:tailEnd type="none" w="med" len="med"/>
+                    </a:lnB>
+                    <a:noFill/>
                   </a:tcPr>
                 </a:tc>
                 <a:tc>
